--- a/述职报告-李帅领.pptx
+++ b/述职报告-李帅领.pptx
@@ -8752,8 +8752,8 @@
         </p:nvSpPr>
         <p:spPr>
           <a:xfrm>
-            <a:off x="2141942" y="3684104"/>
-            <a:ext cx="1775792" cy="947533"/>
+            <a:off x="2197179" y="3173896"/>
+            <a:ext cx="1775792" cy="2193233"/>
           </a:xfrm>
           <a:prstGeom prst="rect">
             <a:avLst/>
@@ -8788,6 +8788,47 @@
               <a:rPr lang="zh-CN" altLang="en-US" dirty="0"/>
               <a:t>端</a:t>
             </a:r>
+            <a:br>
+              <a:rPr lang="en-US" altLang="zh-CN" dirty="0"/>
+            </a:br>
+            <a:endParaRPr lang="en-US" altLang="zh-CN" dirty="0"/>
+          </a:p>
+          <a:p>
+            <a:r>
+              <a:rPr lang="en-US" altLang="zh-CN" dirty="0"/>
+              <a:t>1</a:t>
+            </a:r>
+            <a:r>
+              <a:rPr lang="zh-CN" altLang="en-US" dirty="0"/>
+              <a:t>、机构人员模块</a:t>
+            </a:r>
+            <a:br>
+              <a:rPr lang="en-US" altLang="zh-CN" dirty="0"/>
+            </a:br>
+            <a:r>
+              <a:rPr lang="en-US" altLang="zh-CN" dirty="0"/>
+              <a:t>2</a:t>
+            </a:r>
+            <a:r>
+              <a:rPr lang="zh-CN" altLang="en-US" dirty="0"/>
+              <a:t>、案件模块</a:t>
+            </a:r>
+            <a:endParaRPr lang="en-US" altLang="zh-CN" dirty="0"/>
+          </a:p>
+          <a:p>
+            <a:r>
+              <a:rPr lang="en-US" altLang="zh-CN" dirty="0"/>
+              <a:t>3</a:t>
+            </a:r>
+            <a:r>
+              <a:rPr lang="zh-CN" altLang="en-US" dirty="0"/>
+              <a:t>、文书报表模块</a:t>
+            </a:r>
+            <a:endParaRPr lang="en-US" altLang="zh-CN" dirty="0"/>
+          </a:p>
+          <a:p>
+            <a:pPr algn="ctr"/>
+            <a:endParaRPr lang="zh-CN" altLang="en-US" dirty="0"/>
           </a:p>
         </p:txBody>
       </p:sp>
@@ -8805,8 +8846,8 @@
         </p:nvSpPr>
         <p:spPr>
           <a:xfrm>
-            <a:off x="5106258" y="3684103"/>
-            <a:ext cx="1616766" cy="947534"/>
+            <a:off x="5106258" y="3173896"/>
+            <a:ext cx="1616766" cy="2193232"/>
           </a:xfrm>
           <a:prstGeom prst="rect">
             <a:avLst/>
@@ -8841,6 +8882,52 @@
               <a:rPr lang="zh-CN" altLang="en-US" dirty="0"/>
               <a:t>大屏</a:t>
             </a:r>
+            <a:br>
+              <a:rPr lang="en-US" altLang="zh-CN" dirty="0"/>
+            </a:br>
+            <a:br>
+              <a:rPr lang="en-US" altLang="zh-CN" dirty="0"/>
+            </a:br>
+            <a:r>
+              <a:rPr lang="en-US" altLang="zh-CN" dirty="0"/>
+              <a:t>1</a:t>
+            </a:r>
+            <a:r>
+              <a:rPr lang="zh-CN" altLang="en-US" dirty="0"/>
+              <a:t>、警情数据统计规则修改</a:t>
+            </a:r>
+            <a:endParaRPr lang="en-US" altLang="zh-CN" dirty="0"/>
+          </a:p>
+          <a:p>
+            <a:pPr algn="ctr"/>
+            <a:r>
+              <a:rPr lang="en-US" altLang="zh-CN" dirty="0"/>
+              <a:t>2</a:t>
+            </a:r>
+            <a:r>
+              <a:rPr lang="zh-CN" altLang="en-US" dirty="0"/>
+              <a:t>、将</a:t>
+            </a:r>
+            <a:r>
+              <a:rPr lang="en-US" altLang="zh-CN" dirty="0"/>
+              <a:t>PC</a:t>
+            </a:r>
+            <a:r>
+              <a:rPr lang="zh-CN" altLang="en-US" dirty="0"/>
+              <a:t>端系统与大屏打通</a:t>
+            </a:r>
+            <a:endParaRPr lang="en-US" altLang="zh-CN" dirty="0"/>
+          </a:p>
+          <a:p>
+            <a:pPr algn="ctr"/>
+            <a:r>
+              <a:rPr lang="en-US" altLang="zh-CN" dirty="0"/>
+              <a:t>3</a:t>
+            </a:r>
+            <a:r>
+              <a:rPr lang="zh-CN" altLang="en-US" dirty="0"/>
+              <a:t>、警情的数据问题处理</a:t>
+            </a:r>
           </a:p>
         </p:txBody>
       </p:sp>
@@ -8858,8 +8945,8 @@
         </p:nvSpPr>
         <p:spPr>
           <a:xfrm>
-            <a:off x="7986152" y="3684103"/>
-            <a:ext cx="1762539" cy="947534"/>
+            <a:off x="7986152" y="3173895"/>
+            <a:ext cx="1762539" cy="2193231"/>
           </a:xfrm>
           <a:prstGeom prst="rect">
             <a:avLst/>
@@ -8890,6 +8977,34 @@
               <a:rPr lang="zh-CN" altLang="en-US" dirty="0"/>
               <a:t>钉钉小程序</a:t>
             </a:r>
+            <a:endParaRPr lang="en-US" altLang="zh-CN" dirty="0"/>
+          </a:p>
+          <a:p>
+            <a:pPr algn="ctr"/>
+            <a:endParaRPr lang="en-US" altLang="zh-CN" dirty="0"/>
+          </a:p>
+          <a:p>
+            <a:pPr algn="ctr"/>
+            <a:r>
+              <a:rPr lang="en-US" altLang="zh-CN" dirty="0"/>
+              <a:t>1</a:t>
+            </a:r>
+            <a:r>
+              <a:rPr lang="zh-CN" altLang="en-US" dirty="0"/>
+              <a:t>、小程序的接口修改</a:t>
+            </a:r>
+            <a:endParaRPr lang="en-US" altLang="zh-CN" dirty="0"/>
+          </a:p>
+          <a:p>
+            <a:pPr algn="ctr"/>
+            <a:r>
+              <a:rPr lang="en-US" altLang="zh-CN" dirty="0"/>
+              <a:t>2</a:t>
+            </a:r>
+            <a:r>
+              <a:rPr lang="zh-CN" altLang="en-US" dirty="0"/>
+              <a:t>、小程序操作时，产生异常数据问题的解决</a:t>
+            </a:r>
           </a:p>
         </p:txBody>
       </p:sp>
@@ -8912,7 +9027,7 @@
         <p:spPr>
           <a:xfrm>
             <a:off x="5914641" y="2226364"/>
-            <a:ext cx="0" cy="1457739"/>
+            <a:ext cx="0" cy="947532"/>
           </a:xfrm>
           <a:prstGeom prst="line">
             <a:avLst/>
@@ -9390,8 +9505,8 @@
         </p:nvSpPr>
         <p:spPr>
           <a:xfrm>
-            <a:off x="2345635" y="4015409"/>
-            <a:ext cx="1749287" cy="1033669"/>
+            <a:off x="2345635" y="4015410"/>
+            <a:ext cx="1749287" cy="1364974"/>
           </a:xfrm>
           <a:prstGeom prst="rect">
             <a:avLst/>
@@ -9418,10 +9533,29 @@
           <a:lstStyle/>
           <a:p>
             <a:pPr algn="ctr"/>
+            <a:endParaRPr lang="en-US" altLang="zh-CN" dirty="0"/>
+          </a:p>
+          <a:p>
+            <a:pPr algn="ctr"/>
             <a:r>
               <a:rPr lang="zh-CN" altLang="en-US" dirty="0"/>
               <a:t>文书</a:t>
             </a:r>
+            <a:br>
+              <a:rPr lang="en-US" altLang="zh-CN" dirty="0"/>
+            </a:br>
+            <a:endParaRPr lang="en-US" altLang="zh-CN" dirty="0"/>
+          </a:p>
+          <a:p>
+            <a:pPr algn="ctr"/>
+            <a:r>
+              <a:rPr lang="zh-CN" altLang="en-US" dirty="0"/>
+              <a:t>文书的重构</a:t>
+            </a:r>
+            <a:br>
+              <a:rPr lang="en-US" altLang="zh-CN" dirty="0"/>
+            </a:br>
+            <a:endParaRPr lang="zh-CN" altLang="en-US" dirty="0"/>
           </a:p>
         </p:txBody>
       </p:sp>
@@ -9440,7 +9574,7 @@
         <p:spPr>
           <a:xfrm>
             <a:off x="5002696" y="4015411"/>
-            <a:ext cx="1577008" cy="1033667"/>
+            <a:ext cx="1577008" cy="1364973"/>
           </a:xfrm>
           <a:prstGeom prst="rect">
             <a:avLst/>
@@ -9471,6 +9605,16 @@
               <a:rPr lang="zh-CN" altLang="en-US" dirty="0"/>
               <a:t>报表</a:t>
             </a:r>
+            <a:br>
+              <a:rPr lang="en-US" altLang="zh-CN" dirty="0"/>
+            </a:br>
+            <a:br>
+              <a:rPr lang="en-US" altLang="zh-CN" dirty="0"/>
+            </a:br>
+            <a:r>
+              <a:rPr lang="zh-CN" altLang="en-US" dirty="0"/>
+              <a:t>报表查询优化</a:t>
+            </a:r>
           </a:p>
         </p:txBody>
       </p:sp>
@@ -9489,7 +9633,7 @@
         <p:spPr>
           <a:xfrm>
             <a:off x="7666382" y="4015409"/>
-            <a:ext cx="1577008" cy="1033667"/>
+            <a:ext cx="1577008" cy="1364973"/>
           </a:xfrm>
           <a:prstGeom prst="rect">
             <a:avLst/>
@@ -9542,7 +9686,7 @@
         <p:spPr>
           <a:xfrm flipH="1">
             <a:off x="3220279" y="2266117"/>
-            <a:ext cx="2570921" cy="1749292"/>
+            <a:ext cx="2570921" cy="1749293"/>
           </a:xfrm>
           <a:prstGeom prst="line">
             <a:avLst/>
@@ -9708,53 +9852,6 @@
           </a:p>
         </p:txBody>
       </p:sp>
-      <p:sp>
-        <p:nvSpPr>
-          <p:cNvPr id="2" name="文本框 1">
-            <a:extLst>
-              <a:ext uri="{FF2B5EF4-FFF2-40B4-BE49-F238E27FC236}">
-                <a16:creationId xmlns:a16="http://schemas.microsoft.com/office/drawing/2014/main" id="{52CFAADB-C165-4A3B-917D-F4B223789B1A}"/>
-              </a:ext>
-            </a:extLst>
-          </p:cNvPr>
-          <p:cNvSpPr txBox="1"/>
-          <p:nvPr/>
-        </p:nvSpPr>
-        <p:spPr>
-          <a:xfrm>
-            <a:off x="10809026" y="5827594"/>
-            <a:ext cx="1217047" cy="1231106"/>
-          </a:xfrm>
-          <a:prstGeom prst="rect">
-            <a:avLst/>
-          </a:prstGeom>
-          <a:noFill/>
-        </p:spPr>
-        <p:txBody>
-          <a:bodyPr wrap="square" rtlCol="0">
-            <a:spAutoFit/>
-          </a:bodyPr>
-          <a:lstStyle/>
-          <a:p>
-            <a:r>
-              <a:rPr lang="zh-CN" altLang="en-US" sz="2800" b="1" dirty="0">
-                <a:solidFill>
-                  <a:schemeClr val="bg1"/>
-                </a:solidFill>
-              </a:rPr>
-              <a:t>续约率</a:t>
-            </a:r>
-            <a:endParaRPr lang="en-US" altLang="zh-CN" sz="2800" b="1" dirty="0">
-              <a:solidFill>
-                <a:schemeClr val="bg1"/>
-              </a:solidFill>
-            </a:endParaRPr>
-          </a:p>
-          <a:p>
-            <a:endParaRPr lang="zh-CN" altLang="en-US" dirty="0"/>
-          </a:p>
-        </p:txBody>
-      </p:sp>
       <p:grpSp>
         <p:nvGrpSpPr>
           <p:cNvPr id="29" name="组合 28">
@@ -10010,7 +10107,7 @@
         </p:nvSpPr>
         <p:spPr>
           <a:xfrm>
-            <a:off x="5440016" y="1444487"/>
+            <a:off x="5440015" y="1431235"/>
             <a:ext cx="1656523" cy="834886"/>
           </a:xfrm>
           <a:prstGeom prst="rect">
@@ -10059,8 +10156,8 @@
         </p:nvSpPr>
         <p:spPr>
           <a:xfrm>
-            <a:off x="2663687" y="3988904"/>
-            <a:ext cx="1656522" cy="834887"/>
+            <a:off x="2663686" y="3286536"/>
+            <a:ext cx="1656522" cy="2703447"/>
           </a:xfrm>
           <a:prstGeom prst="rect">
             <a:avLst/>
@@ -10087,10 +10184,70 @@
           <a:lstStyle/>
           <a:p>
             <a:pPr algn="ctr"/>
+            <a:endParaRPr lang="en-US" altLang="zh-CN" dirty="0"/>
+          </a:p>
+          <a:p>
+            <a:pPr algn="ctr"/>
+            <a:endParaRPr lang="en-US" altLang="zh-CN" dirty="0"/>
+          </a:p>
+          <a:p>
+            <a:pPr algn="ctr"/>
+            <a:endParaRPr lang="en-US" altLang="zh-CN" dirty="0"/>
+          </a:p>
+          <a:p>
+            <a:pPr algn="ctr"/>
+            <a:endParaRPr lang="en-US" altLang="zh-CN" dirty="0"/>
+          </a:p>
+          <a:p>
+            <a:pPr algn="ctr"/>
+            <a:endParaRPr lang="en-US" altLang="zh-CN" dirty="0"/>
+          </a:p>
+          <a:p>
+            <a:pPr algn="ctr"/>
+            <a:endParaRPr lang="en-US" altLang="zh-CN" dirty="0"/>
+          </a:p>
+          <a:p>
+            <a:pPr algn="ctr"/>
             <a:r>
               <a:rPr lang="zh-CN" altLang="en-US" dirty="0"/>
-              <a:t>组织管理模块</a:t>
+              <a:t>机构人员模块</a:t>
             </a:r>
+            <a:endParaRPr lang="en-US" altLang="zh-CN" dirty="0"/>
+          </a:p>
+          <a:p>
+            <a:pPr algn="ctr"/>
+            <a:endParaRPr lang="en-US" altLang="zh-CN" dirty="0"/>
+          </a:p>
+          <a:p>
+            <a:r>
+              <a:rPr lang="zh-CN" altLang="en-US" dirty="0"/>
+              <a:t>将老系统的模块迁移到新项目中，并添加新的层级</a:t>
+            </a:r>
+            <a:endParaRPr lang="en-US" altLang="zh-CN" dirty="0"/>
+          </a:p>
+          <a:p>
+            <a:pPr algn="ctr"/>
+            <a:endParaRPr lang="en-US" altLang="zh-CN" dirty="0"/>
+          </a:p>
+          <a:p>
+            <a:pPr algn="ctr"/>
+            <a:endParaRPr lang="en-US" altLang="zh-CN" dirty="0"/>
+          </a:p>
+          <a:p>
+            <a:pPr algn="ctr"/>
+            <a:endParaRPr lang="en-US" altLang="zh-CN" dirty="0"/>
+          </a:p>
+          <a:p>
+            <a:pPr algn="ctr"/>
+            <a:endParaRPr lang="en-US" altLang="zh-CN" dirty="0"/>
+          </a:p>
+          <a:p>
+            <a:pPr algn="ctr"/>
+            <a:endParaRPr lang="en-US" altLang="zh-CN" dirty="0"/>
+          </a:p>
+          <a:p>
+            <a:pPr algn="ctr"/>
+            <a:endParaRPr lang="zh-CN" altLang="en-US" dirty="0"/>
           </a:p>
         </p:txBody>
       </p:sp>
@@ -10108,8 +10265,8 @@
         </p:nvSpPr>
         <p:spPr>
           <a:xfrm>
-            <a:off x="5440017" y="3988903"/>
-            <a:ext cx="1656522" cy="834887"/>
+            <a:off x="5440015" y="3286537"/>
+            <a:ext cx="1656523" cy="2703445"/>
           </a:xfrm>
           <a:prstGeom prst="rect">
             <a:avLst/>
@@ -10136,10 +10293,43 @@
           <a:lstStyle/>
           <a:p>
             <a:pPr algn="ctr"/>
+            <a:endParaRPr lang="en-US" altLang="zh-CN" dirty="0"/>
+          </a:p>
+          <a:p>
+            <a:pPr algn="ctr"/>
+            <a:endParaRPr lang="en-US" altLang="zh-CN" dirty="0"/>
+          </a:p>
+          <a:p>
+            <a:pPr algn="ctr"/>
             <a:r>
               <a:rPr lang="zh-CN" altLang="en-US" dirty="0"/>
               <a:t>文书报表</a:t>
             </a:r>
+            <a:endParaRPr lang="en-US" altLang="zh-CN" dirty="0"/>
+          </a:p>
+          <a:p>
+            <a:pPr algn="ctr"/>
+            <a:endParaRPr lang="en-US" altLang="zh-CN" dirty="0"/>
+          </a:p>
+          <a:p>
+            <a:pPr algn="ctr"/>
+            <a:r>
+              <a:rPr lang="zh-CN" altLang="en-US" dirty="0"/>
+              <a:t>文书模块和报表模块，系统管理文书报表</a:t>
+            </a:r>
+            <a:endParaRPr lang="en-US" altLang="zh-CN" dirty="0"/>
+          </a:p>
+          <a:p>
+            <a:pPr algn="ctr"/>
+            <a:endParaRPr lang="en-US" altLang="zh-CN" dirty="0"/>
+          </a:p>
+          <a:p>
+            <a:pPr algn="ctr"/>
+            <a:endParaRPr lang="en-US" altLang="zh-CN" dirty="0"/>
+          </a:p>
+          <a:p>
+            <a:pPr algn="ctr"/>
+            <a:endParaRPr lang="zh-CN" altLang="en-US" dirty="0"/>
           </a:p>
         </p:txBody>
       </p:sp>
@@ -10157,8 +10347,8 @@
         </p:nvSpPr>
         <p:spPr>
           <a:xfrm>
-            <a:off x="8216348" y="3988904"/>
-            <a:ext cx="1497495" cy="834886"/>
+            <a:off x="8216347" y="3286538"/>
+            <a:ext cx="1497495" cy="2703444"/>
           </a:xfrm>
           <a:prstGeom prst="rect">
             <a:avLst/>
@@ -10185,10 +10375,45 @@
           <a:lstStyle/>
           <a:p>
             <a:pPr algn="ctr"/>
+            <a:endParaRPr lang="en-US" altLang="zh-CN" dirty="0"/>
+          </a:p>
+          <a:p>
+            <a:pPr algn="ctr"/>
             <a:r>
               <a:rPr lang="zh-CN" altLang="en-US" dirty="0"/>
               <a:t>道交模块</a:t>
             </a:r>
+            <a:br>
+              <a:rPr lang="en-US" altLang="zh-CN" dirty="0"/>
+            </a:br>
+            <a:br>
+              <a:rPr lang="en-US" altLang="zh-CN" dirty="0"/>
+            </a:br>
+            <a:r>
+              <a:rPr lang="zh-CN" altLang="en-US" dirty="0"/>
+              <a:t>道交工单</a:t>
+            </a:r>
+            <a:br>
+              <a:rPr lang="en-US" altLang="zh-CN" dirty="0"/>
+            </a:br>
+            <a:r>
+              <a:rPr lang="zh-CN" altLang="en-US" dirty="0"/>
+              <a:t>司法鉴定</a:t>
+            </a:r>
+            <a:endParaRPr lang="en-US" altLang="zh-CN" dirty="0"/>
+          </a:p>
+          <a:p>
+            <a:pPr algn="ctr"/>
+            <a:br>
+              <a:rPr lang="en-US" altLang="zh-CN" dirty="0"/>
+            </a:br>
+            <a:br>
+              <a:rPr lang="en-US" altLang="zh-CN" dirty="0"/>
+            </a:br>
+            <a:br>
+              <a:rPr lang="en-US" altLang="zh-CN" dirty="0"/>
+            </a:br>
+            <a:endParaRPr lang="zh-CN" altLang="en-US" dirty="0"/>
           </a:p>
         </p:txBody>
       </p:sp>
@@ -10210,8 +10435,8 @@
         </p:nvCxnSpPr>
         <p:spPr>
           <a:xfrm flipH="1">
-            <a:off x="3491948" y="2279373"/>
-            <a:ext cx="2776330" cy="1709531"/>
+            <a:off x="3491947" y="2266121"/>
+            <a:ext cx="2776330" cy="1020415"/>
           </a:xfrm>
           <a:prstGeom prst="line">
             <a:avLst/>
@@ -10250,8 +10475,8 @@
         </p:nvCxnSpPr>
         <p:spPr>
           <a:xfrm>
-            <a:off x="6268278" y="2279373"/>
-            <a:ext cx="0" cy="1709530"/>
+            <a:off x="6268277" y="2266121"/>
+            <a:ext cx="0" cy="1020416"/>
           </a:xfrm>
           <a:prstGeom prst="line">
             <a:avLst/>
@@ -10290,8 +10515,8 @@
         </p:nvCxnSpPr>
         <p:spPr>
           <a:xfrm>
-            <a:off x="6268278" y="2279373"/>
-            <a:ext cx="2696818" cy="1709531"/>
+            <a:off x="6268277" y="2266121"/>
+            <a:ext cx="2696818" cy="1020417"/>
           </a:xfrm>
           <a:prstGeom prst="line">
             <a:avLst/>

--- a/述职报告-李帅领.pptx
+++ b/述职报告-李帅领.pptx
@@ -4558,7 +4558,7 @@
                 <a:latin typeface="微软雅黑" panose="020B0503020204020204" pitchFamily="34" charset="-122"/>
                 <a:ea typeface="微软雅黑" panose="020B0503020204020204" pitchFamily="34" charset="-122"/>
               </a:rPr>
-              <a:t>汇报人：研究院事业二部</a:t>
+              <a:t>汇报人：研究院研发二部</a:t>
             </a:r>
             <a:r>
               <a:rPr lang="en-US" altLang="zh-CN" sz="1800" dirty="0">
@@ -4877,7 +4877,7 @@
         </p:nvSpPr>
         <p:spPr>
           <a:xfrm>
-            <a:off x="1069998" y="2177720"/>
+            <a:off x="1083250" y="1788093"/>
             <a:ext cx="1230085" cy="2308324"/>
           </a:xfrm>
           <a:prstGeom prst="rect">
@@ -5081,7 +5081,7 @@
         </p:nvSpPr>
         <p:spPr>
           <a:xfrm>
-            <a:off x="5558765" y="2358962"/>
+            <a:off x="5660192" y="2358962"/>
             <a:ext cx="505517" cy="1815882"/>
           </a:xfrm>
           <a:prstGeom prst="rect">
@@ -5122,7 +5122,7 @@
         </p:nvSpPr>
         <p:spPr>
           <a:xfrm>
-            <a:off x="5562412" y="1763887"/>
+            <a:off x="5663839" y="1763887"/>
             <a:ext cx="587305" cy="587305"/>
           </a:xfrm>
           <a:prstGeom prst="ellipse">
@@ -5188,7 +5188,7 @@
         </p:nvSpPr>
         <p:spPr>
           <a:xfrm>
-            <a:off x="5480258" y="1734373"/>
+            <a:off x="5581685" y="1734373"/>
             <a:ext cx="726481" cy="646331"/>
           </a:xfrm>
           <a:prstGeom prst="rect">
@@ -14036,7 +14036,7 @@
         </p:nvGrpSpPr>
         <p:grpSpPr>
           <a:xfrm>
-            <a:off x="279821" y="321629"/>
+            <a:off x="385838" y="295125"/>
             <a:ext cx="2433260" cy="528263"/>
             <a:chOff x="505108" y="361387"/>
             <a:chExt cx="2433260" cy="528263"/>
